--- a/Secuencia de funcionamiento caneca inteligente.pptx
+++ b/Secuencia de funcionamiento caneca inteligente.pptx
@@ -7,6 +7,7 @@
   <p:sldIdLst>
     <p:sldId id="256" r:id="rId2"/>
     <p:sldId id="257" r:id="rId3"/>
+    <p:sldId id="258" r:id="rId4"/>
   </p:sldIdLst>
   <p:sldSz cx="12192000" cy="6858000"/>
   <p:notesSz cx="6858000" cy="9144000"/>
@@ -105,6 +106,11 @@
       </a:defRPr>
     </a:lvl9pPr>
   </p:defaultTextStyle>
+  <p:extLst>
+    <p:ext uri="{EFAFB233-063F-42B5-8137-9DF3F51BA10A}">
+      <p15:sldGuideLst xmlns:p15="http://schemas.microsoft.com/office/powerpoint/2012/main"/>
+    </p:ext>
+  </p:extLst>
 </p:presentation>
 </file>
 
@@ -255,7 +261,7 @@
           <a:p>
             <a:fld id="{6516FA32-6266-4056-B78A-6A2C8D796341}" type="datetimeFigureOut">
               <a:rPr lang="es-MX" smtClean="0"/>
-              <a:t>10/09/2025</a:t>
+              <a:t>18/09/2025</a:t>
             </a:fld>
             <a:endParaRPr lang="es-MX"/>
           </a:p>
@@ -453,7 +459,7 @@
           <a:p>
             <a:fld id="{6516FA32-6266-4056-B78A-6A2C8D796341}" type="datetimeFigureOut">
               <a:rPr lang="es-MX" smtClean="0"/>
-              <a:t>10/09/2025</a:t>
+              <a:t>18/09/2025</a:t>
             </a:fld>
             <a:endParaRPr lang="es-MX"/>
           </a:p>
@@ -661,7 +667,7 @@
           <a:p>
             <a:fld id="{6516FA32-6266-4056-B78A-6A2C8D796341}" type="datetimeFigureOut">
               <a:rPr lang="es-MX" smtClean="0"/>
-              <a:t>10/09/2025</a:t>
+              <a:t>18/09/2025</a:t>
             </a:fld>
             <a:endParaRPr lang="es-MX"/>
           </a:p>
@@ -859,7 +865,7 @@
           <a:p>
             <a:fld id="{6516FA32-6266-4056-B78A-6A2C8D796341}" type="datetimeFigureOut">
               <a:rPr lang="es-MX" smtClean="0"/>
-              <a:t>10/09/2025</a:t>
+              <a:t>18/09/2025</a:t>
             </a:fld>
             <a:endParaRPr lang="es-MX"/>
           </a:p>
@@ -1134,7 +1140,7 @@
           <a:p>
             <a:fld id="{6516FA32-6266-4056-B78A-6A2C8D796341}" type="datetimeFigureOut">
               <a:rPr lang="es-MX" smtClean="0"/>
-              <a:t>10/09/2025</a:t>
+              <a:t>18/09/2025</a:t>
             </a:fld>
             <a:endParaRPr lang="es-MX"/>
           </a:p>
@@ -1399,7 +1405,7 @@
           <a:p>
             <a:fld id="{6516FA32-6266-4056-B78A-6A2C8D796341}" type="datetimeFigureOut">
               <a:rPr lang="es-MX" smtClean="0"/>
-              <a:t>10/09/2025</a:t>
+              <a:t>18/09/2025</a:t>
             </a:fld>
             <a:endParaRPr lang="es-MX"/>
           </a:p>
@@ -1811,7 +1817,7 @@
           <a:p>
             <a:fld id="{6516FA32-6266-4056-B78A-6A2C8D796341}" type="datetimeFigureOut">
               <a:rPr lang="es-MX" smtClean="0"/>
-              <a:t>10/09/2025</a:t>
+              <a:t>18/09/2025</a:t>
             </a:fld>
             <a:endParaRPr lang="es-MX"/>
           </a:p>
@@ -1952,7 +1958,7 @@
           <a:p>
             <a:fld id="{6516FA32-6266-4056-B78A-6A2C8D796341}" type="datetimeFigureOut">
               <a:rPr lang="es-MX" smtClean="0"/>
-              <a:t>10/09/2025</a:t>
+              <a:t>18/09/2025</a:t>
             </a:fld>
             <a:endParaRPr lang="es-MX"/>
           </a:p>
@@ -2065,7 +2071,7 @@
           <a:p>
             <a:fld id="{6516FA32-6266-4056-B78A-6A2C8D796341}" type="datetimeFigureOut">
               <a:rPr lang="es-MX" smtClean="0"/>
-              <a:t>10/09/2025</a:t>
+              <a:t>18/09/2025</a:t>
             </a:fld>
             <a:endParaRPr lang="es-MX"/>
           </a:p>
@@ -2376,7 +2382,7 @@
           <a:p>
             <a:fld id="{6516FA32-6266-4056-B78A-6A2C8D796341}" type="datetimeFigureOut">
               <a:rPr lang="es-MX" smtClean="0"/>
-              <a:t>10/09/2025</a:t>
+              <a:t>18/09/2025</a:t>
             </a:fld>
             <a:endParaRPr lang="es-MX"/>
           </a:p>
@@ -2664,7 +2670,7 @@
           <a:p>
             <a:fld id="{6516FA32-6266-4056-B78A-6A2C8D796341}" type="datetimeFigureOut">
               <a:rPr lang="es-MX" smtClean="0"/>
-              <a:t>10/09/2025</a:t>
+              <a:t>18/09/2025</a:t>
             </a:fld>
             <a:endParaRPr lang="es-MX"/>
           </a:p>
@@ -2905,7 +2911,7 @@
           <a:p>
             <a:fld id="{6516FA32-6266-4056-B78A-6A2C8D796341}" type="datetimeFigureOut">
               <a:rPr lang="es-MX" smtClean="0"/>
-              <a:t>10/09/2025</a:t>
+              <a:t>18/09/2025</a:t>
             </a:fld>
             <a:endParaRPr lang="es-MX"/>
           </a:p>
@@ -5082,6 +5088,1124 @@
     <p:extLst>
       <p:ext uri="{BB962C8B-B14F-4D97-AF65-F5344CB8AC3E}">
         <p14:creationId xmlns:p14="http://schemas.microsoft.com/office/powerpoint/2010/main" val="2886818"/>
+      </p:ext>
+    </p:extLst>
+  </p:cSld>
+  <p:clrMapOvr>
+    <a:masterClrMapping/>
+  </p:clrMapOvr>
+</p:sld>
+</file>
+
+<file path=ppt/slides/slide3.xml><?xml version="1.0" encoding="utf-8"?>
+<p:sld xmlns:a="http://schemas.openxmlformats.org/drawingml/2006/main" xmlns:r="http://schemas.openxmlformats.org/officeDocument/2006/relationships" xmlns:p="http://schemas.openxmlformats.org/presentationml/2006/main">
+  <p:cSld>
+    <p:spTree>
+      <p:nvGrpSpPr>
+        <p:cNvPr id="1" name=""/>
+        <p:cNvGrpSpPr/>
+        <p:nvPr/>
+      </p:nvGrpSpPr>
+      <p:grpSpPr>
+        <a:xfrm>
+          <a:off x="0" y="0"/>
+          <a:ext cx="0" cy="0"/>
+          <a:chOff x="0" y="0"/>
+          <a:chExt cx="0" cy="0"/>
+        </a:xfrm>
+      </p:grpSpPr>
+      <p:sp>
+        <p:nvSpPr>
+          <p:cNvPr id="4" name="Rectángulo: esquinas redondeadas 3">
+            <a:extLst>
+              <a:ext uri="{FF2B5EF4-FFF2-40B4-BE49-F238E27FC236}">
+                <a16:creationId xmlns:a16="http://schemas.microsoft.com/office/drawing/2014/main" id="{B6993D5E-EEAA-E5CC-1965-BA84B35274BB}"/>
+              </a:ext>
+            </a:extLst>
+          </p:cNvPr>
+          <p:cNvSpPr/>
+          <p:nvPr/>
+        </p:nvSpPr>
+        <p:spPr>
+          <a:xfrm>
+            <a:off x="274321" y="334899"/>
+            <a:ext cx="3602735" cy="5209603"/>
+          </a:xfrm>
+          <a:prstGeom prst="roundRect">
+            <a:avLst/>
+          </a:prstGeom>
+          <a:solidFill>
+            <a:schemeClr val="accent2">
+              <a:lumMod val="40000"/>
+              <a:lumOff val="60000"/>
+            </a:schemeClr>
+          </a:solidFill>
+        </p:spPr>
+        <p:style>
+          <a:lnRef idx="2">
+            <a:schemeClr val="accent1">
+              <a:shade val="15000"/>
+            </a:schemeClr>
+          </a:lnRef>
+          <a:fillRef idx="1">
+            <a:schemeClr val="accent1"/>
+          </a:fillRef>
+          <a:effectRef idx="0">
+            <a:schemeClr val="accent1"/>
+          </a:effectRef>
+          <a:fontRef idx="minor">
+            <a:schemeClr val="lt1"/>
+          </a:fontRef>
+        </p:style>
+        <p:txBody>
+          <a:bodyPr rtlCol="0" anchor="ctr"/>
+          <a:lstStyle/>
+          <a:p>
+            <a:pPr algn="ctr"/>
+            <a:endParaRPr lang="es-MX" dirty="0"/>
+          </a:p>
+        </p:txBody>
+      </p:sp>
+      <p:sp>
+        <p:nvSpPr>
+          <p:cNvPr id="6" name="Rectángulo: esquinas redondeadas 5">
+            <a:extLst>
+              <a:ext uri="{FF2B5EF4-FFF2-40B4-BE49-F238E27FC236}">
+                <a16:creationId xmlns:a16="http://schemas.microsoft.com/office/drawing/2014/main" id="{AAE71190-2E48-ED65-B47D-E6ACA35CDE88}"/>
+              </a:ext>
+            </a:extLst>
+          </p:cNvPr>
+          <p:cNvSpPr/>
+          <p:nvPr/>
+        </p:nvSpPr>
+        <p:spPr>
+          <a:xfrm>
+            <a:off x="621793" y="1341120"/>
+            <a:ext cx="2974735" cy="1121664"/>
+          </a:xfrm>
+          <a:prstGeom prst="roundRect">
+            <a:avLst/>
+          </a:prstGeom>
+          <a:solidFill>
+            <a:schemeClr val="accent1">
+              <a:lumMod val="40000"/>
+              <a:lumOff val="60000"/>
+            </a:schemeClr>
+          </a:solidFill>
+        </p:spPr>
+        <p:style>
+          <a:lnRef idx="2">
+            <a:schemeClr val="accent1">
+              <a:shade val="15000"/>
+            </a:schemeClr>
+          </a:lnRef>
+          <a:fillRef idx="1">
+            <a:schemeClr val="accent1"/>
+          </a:fillRef>
+          <a:effectRef idx="0">
+            <a:schemeClr val="accent1"/>
+          </a:effectRef>
+          <a:fontRef idx="minor">
+            <a:schemeClr val="lt1"/>
+          </a:fontRef>
+        </p:style>
+        <p:txBody>
+          <a:bodyPr rtlCol="0" anchor="ctr"/>
+          <a:lstStyle/>
+          <a:p>
+            <a:pPr algn="ctr"/>
+            <a:r>
+              <a:rPr lang="es-CO" dirty="0">
+                <a:solidFill>
+                  <a:schemeClr val="tx1"/>
+                </a:solidFill>
+              </a:rPr>
+              <a:t>PULSADOR</a:t>
+            </a:r>
+            <a:endParaRPr lang="es-MX" dirty="0">
+              <a:solidFill>
+                <a:schemeClr val="tx1"/>
+              </a:solidFill>
+            </a:endParaRPr>
+          </a:p>
+        </p:txBody>
+      </p:sp>
+      <p:sp>
+        <p:nvSpPr>
+          <p:cNvPr id="7" name="Rectángulo: esquinas redondeadas 6">
+            <a:extLst>
+              <a:ext uri="{FF2B5EF4-FFF2-40B4-BE49-F238E27FC236}">
+                <a16:creationId xmlns:a16="http://schemas.microsoft.com/office/drawing/2014/main" id="{3FFEC0E9-BF61-A4B6-F2EC-6FAB757F48C2}"/>
+              </a:ext>
+            </a:extLst>
+          </p:cNvPr>
+          <p:cNvSpPr/>
+          <p:nvPr/>
+        </p:nvSpPr>
+        <p:spPr>
+          <a:xfrm>
+            <a:off x="621793" y="2578608"/>
+            <a:ext cx="2974735" cy="1121664"/>
+          </a:xfrm>
+          <a:prstGeom prst="roundRect">
+            <a:avLst/>
+          </a:prstGeom>
+          <a:solidFill>
+            <a:schemeClr val="accent1">
+              <a:lumMod val="40000"/>
+              <a:lumOff val="60000"/>
+            </a:schemeClr>
+          </a:solidFill>
+        </p:spPr>
+        <p:style>
+          <a:lnRef idx="2">
+            <a:schemeClr val="accent1">
+              <a:shade val="15000"/>
+            </a:schemeClr>
+          </a:lnRef>
+          <a:fillRef idx="1">
+            <a:schemeClr val="accent1"/>
+          </a:fillRef>
+          <a:effectRef idx="0">
+            <a:schemeClr val="accent1"/>
+          </a:effectRef>
+          <a:fontRef idx="minor">
+            <a:schemeClr val="lt1"/>
+          </a:fontRef>
+        </p:style>
+        <p:txBody>
+          <a:bodyPr rtlCol="0" anchor="ctr"/>
+          <a:lstStyle/>
+          <a:p>
+            <a:pPr algn="ctr"/>
+            <a:r>
+              <a:rPr lang="es-CO" dirty="0">
+                <a:solidFill>
+                  <a:schemeClr val="tx1"/>
+                </a:solidFill>
+              </a:rPr>
+              <a:t>ULTRASONIDOS</a:t>
+            </a:r>
+            <a:endParaRPr lang="es-MX" dirty="0">
+              <a:solidFill>
+                <a:schemeClr val="tx1"/>
+              </a:solidFill>
+            </a:endParaRPr>
+          </a:p>
+        </p:txBody>
+      </p:sp>
+      <p:sp>
+        <p:nvSpPr>
+          <p:cNvPr id="8" name="Rectángulo: esquinas redondeadas 7">
+            <a:extLst>
+              <a:ext uri="{FF2B5EF4-FFF2-40B4-BE49-F238E27FC236}">
+                <a16:creationId xmlns:a16="http://schemas.microsoft.com/office/drawing/2014/main" id="{F59252FD-1B6C-B0F5-BE34-980FE5FEF416}"/>
+              </a:ext>
+            </a:extLst>
+          </p:cNvPr>
+          <p:cNvSpPr/>
+          <p:nvPr/>
+        </p:nvSpPr>
+        <p:spPr>
+          <a:xfrm>
+            <a:off x="621793" y="3816096"/>
+            <a:ext cx="2974735" cy="1121664"/>
+          </a:xfrm>
+          <a:prstGeom prst="roundRect">
+            <a:avLst/>
+          </a:prstGeom>
+          <a:solidFill>
+            <a:schemeClr val="accent1">
+              <a:lumMod val="40000"/>
+              <a:lumOff val="60000"/>
+            </a:schemeClr>
+          </a:solidFill>
+        </p:spPr>
+        <p:style>
+          <a:lnRef idx="2">
+            <a:schemeClr val="accent1">
+              <a:shade val="15000"/>
+            </a:schemeClr>
+          </a:lnRef>
+          <a:fillRef idx="1">
+            <a:schemeClr val="accent1"/>
+          </a:fillRef>
+          <a:effectRef idx="0">
+            <a:schemeClr val="accent1"/>
+          </a:effectRef>
+          <a:fontRef idx="minor">
+            <a:schemeClr val="lt1"/>
+          </a:fontRef>
+        </p:style>
+        <p:txBody>
+          <a:bodyPr rtlCol="0" anchor="ctr"/>
+          <a:lstStyle/>
+          <a:p>
+            <a:pPr algn="ctr"/>
+            <a:r>
+              <a:rPr lang="es-CO" dirty="0">
+                <a:solidFill>
+                  <a:schemeClr val="tx1"/>
+                </a:solidFill>
+              </a:rPr>
+              <a:t>ESPCAM</a:t>
+            </a:r>
+            <a:endParaRPr lang="es-MX" dirty="0">
+              <a:solidFill>
+                <a:schemeClr val="tx1"/>
+              </a:solidFill>
+            </a:endParaRPr>
+          </a:p>
+        </p:txBody>
+      </p:sp>
+      <p:sp>
+        <p:nvSpPr>
+          <p:cNvPr id="16" name="Rectángulo: esquinas redondeadas 15">
+            <a:extLst>
+              <a:ext uri="{FF2B5EF4-FFF2-40B4-BE49-F238E27FC236}">
+                <a16:creationId xmlns:a16="http://schemas.microsoft.com/office/drawing/2014/main" id="{3B1C73F4-C462-F0F3-B433-06F506FAF13E}"/>
+              </a:ext>
+            </a:extLst>
+          </p:cNvPr>
+          <p:cNvSpPr/>
+          <p:nvPr/>
+        </p:nvSpPr>
+        <p:spPr>
+          <a:xfrm>
+            <a:off x="8314944" y="334899"/>
+            <a:ext cx="3602735" cy="5209603"/>
+          </a:xfrm>
+          <a:prstGeom prst="roundRect">
+            <a:avLst/>
+          </a:prstGeom>
+          <a:solidFill>
+            <a:schemeClr val="accent2">
+              <a:lumMod val="40000"/>
+              <a:lumOff val="60000"/>
+            </a:schemeClr>
+          </a:solidFill>
+        </p:spPr>
+        <p:style>
+          <a:lnRef idx="2">
+            <a:schemeClr val="accent1">
+              <a:shade val="15000"/>
+            </a:schemeClr>
+          </a:lnRef>
+          <a:fillRef idx="1">
+            <a:schemeClr val="accent1"/>
+          </a:fillRef>
+          <a:effectRef idx="0">
+            <a:schemeClr val="accent1"/>
+          </a:effectRef>
+          <a:fontRef idx="minor">
+            <a:schemeClr val="lt1"/>
+          </a:fontRef>
+        </p:style>
+        <p:txBody>
+          <a:bodyPr rtlCol="0" anchor="ctr"/>
+          <a:lstStyle/>
+          <a:p>
+            <a:pPr algn="ctr"/>
+            <a:endParaRPr lang="es-MX" dirty="0"/>
+          </a:p>
+        </p:txBody>
+      </p:sp>
+      <p:sp>
+        <p:nvSpPr>
+          <p:cNvPr id="17" name="Rectángulo: esquinas redondeadas 16">
+            <a:extLst>
+              <a:ext uri="{FF2B5EF4-FFF2-40B4-BE49-F238E27FC236}">
+                <a16:creationId xmlns:a16="http://schemas.microsoft.com/office/drawing/2014/main" id="{C7CD80B0-C658-E629-E9AC-9D32CF504A50}"/>
+              </a:ext>
+            </a:extLst>
+          </p:cNvPr>
+          <p:cNvSpPr/>
+          <p:nvPr/>
+        </p:nvSpPr>
+        <p:spPr>
+          <a:xfrm>
+            <a:off x="8662416" y="1341120"/>
+            <a:ext cx="2974735" cy="1121664"/>
+          </a:xfrm>
+          <a:prstGeom prst="roundRect">
+            <a:avLst/>
+          </a:prstGeom>
+          <a:solidFill>
+            <a:schemeClr val="accent1">
+              <a:lumMod val="40000"/>
+              <a:lumOff val="60000"/>
+            </a:schemeClr>
+          </a:solidFill>
+        </p:spPr>
+        <p:style>
+          <a:lnRef idx="2">
+            <a:schemeClr val="accent1">
+              <a:shade val="15000"/>
+            </a:schemeClr>
+          </a:lnRef>
+          <a:fillRef idx="1">
+            <a:schemeClr val="accent1"/>
+          </a:fillRef>
+          <a:effectRef idx="0">
+            <a:schemeClr val="accent1"/>
+          </a:effectRef>
+          <a:fontRef idx="minor">
+            <a:schemeClr val="lt1"/>
+          </a:fontRef>
+        </p:style>
+        <p:txBody>
+          <a:bodyPr rtlCol="0" anchor="ctr"/>
+          <a:lstStyle/>
+          <a:p>
+            <a:pPr algn="ctr"/>
+            <a:r>
+              <a:rPr lang="es-CO" dirty="0">
+                <a:solidFill>
+                  <a:schemeClr val="tx1"/>
+                </a:solidFill>
+              </a:rPr>
+              <a:t>MOTOR PASO A PASO</a:t>
+            </a:r>
+            <a:endParaRPr lang="es-MX" dirty="0">
+              <a:solidFill>
+                <a:schemeClr val="tx1"/>
+              </a:solidFill>
+            </a:endParaRPr>
+          </a:p>
+        </p:txBody>
+      </p:sp>
+      <p:sp>
+        <p:nvSpPr>
+          <p:cNvPr id="18" name="Rectángulo: esquinas redondeadas 17">
+            <a:extLst>
+              <a:ext uri="{FF2B5EF4-FFF2-40B4-BE49-F238E27FC236}">
+                <a16:creationId xmlns:a16="http://schemas.microsoft.com/office/drawing/2014/main" id="{6C2A1B26-FFF3-D4CD-5052-62454AF15B0E}"/>
+              </a:ext>
+            </a:extLst>
+          </p:cNvPr>
+          <p:cNvSpPr/>
+          <p:nvPr/>
+        </p:nvSpPr>
+        <p:spPr>
+          <a:xfrm>
+            <a:off x="8662416" y="2578608"/>
+            <a:ext cx="2974735" cy="1121664"/>
+          </a:xfrm>
+          <a:prstGeom prst="roundRect">
+            <a:avLst/>
+          </a:prstGeom>
+          <a:solidFill>
+            <a:schemeClr val="accent1">
+              <a:lumMod val="40000"/>
+              <a:lumOff val="60000"/>
+            </a:schemeClr>
+          </a:solidFill>
+        </p:spPr>
+        <p:style>
+          <a:lnRef idx="2">
+            <a:schemeClr val="accent1">
+              <a:shade val="15000"/>
+            </a:schemeClr>
+          </a:lnRef>
+          <a:fillRef idx="1">
+            <a:schemeClr val="accent1"/>
+          </a:fillRef>
+          <a:effectRef idx="0">
+            <a:schemeClr val="accent1"/>
+          </a:effectRef>
+          <a:fontRef idx="minor">
+            <a:schemeClr val="lt1"/>
+          </a:fontRef>
+        </p:style>
+        <p:txBody>
+          <a:bodyPr rtlCol="0" anchor="ctr"/>
+          <a:lstStyle/>
+          <a:p>
+            <a:pPr algn="ctr"/>
+            <a:r>
+              <a:rPr lang="es-CO" dirty="0">
+                <a:solidFill>
+                  <a:schemeClr val="tx1"/>
+                </a:solidFill>
+              </a:rPr>
+              <a:t>SERVOMOTORES</a:t>
+            </a:r>
+            <a:endParaRPr lang="es-MX" dirty="0">
+              <a:solidFill>
+                <a:schemeClr val="tx1"/>
+              </a:solidFill>
+            </a:endParaRPr>
+          </a:p>
+        </p:txBody>
+      </p:sp>
+      <p:sp>
+        <p:nvSpPr>
+          <p:cNvPr id="19" name="Rectángulo: esquinas redondeadas 18">
+            <a:extLst>
+              <a:ext uri="{FF2B5EF4-FFF2-40B4-BE49-F238E27FC236}">
+                <a16:creationId xmlns:a16="http://schemas.microsoft.com/office/drawing/2014/main" id="{FC361108-A790-66AA-777F-6D0792F94124}"/>
+              </a:ext>
+            </a:extLst>
+          </p:cNvPr>
+          <p:cNvSpPr/>
+          <p:nvPr/>
+        </p:nvSpPr>
+        <p:spPr>
+          <a:xfrm>
+            <a:off x="8662416" y="3816096"/>
+            <a:ext cx="2974735" cy="1121664"/>
+          </a:xfrm>
+          <a:prstGeom prst="roundRect">
+            <a:avLst/>
+          </a:prstGeom>
+          <a:solidFill>
+            <a:schemeClr val="accent1">
+              <a:lumMod val="40000"/>
+              <a:lumOff val="60000"/>
+            </a:schemeClr>
+          </a:solidFill>
+        </p:spPr>
+        <p:style>
+          <a:lnRef idx="2">
+            <a:schemeClr val="accent1">
+              <a:shade val="15000"/>
+            </a:schemeClr>
+          </a:lnRef>
+          <a:fillRef idx="1">
+            <a:schemeClr val="accent1"/>
+          </a:fillRef>
+          <a:effectRef idx="0">
+            <a:schemeClr val="accent1"/>
+          </a:effectRef>
+          <a:fontRef idx="minor">
+            <a:schemeClr val="lt1"/>
+          </a:fontRef>
+        </p:style>
+        <p:txBody>
+          <a:bodyPr rtlCol="0" anchor="ctr"/>
+          <a:lstStyle/>
+          <a:p>
+            <a:pPr algn="ctr"/>
+            <a:r>
+              <a:rPr lang="es-CO" dirty="0">
+                <a:solidFill>
+                  <a:schemeClr val="tx1"/>
+                </a:solidFill>
+              </a:rPr>
+              <a:t>LUCES LED</a:t>
+            </a:r>
+            <a:endParaRPr lang="es-MX" dirty="0">
+              <a:solidFill>
+                <a:schemeClr val="tx1"/>
+              </a:solidFill>
+            </a:endParaRPr>
+          </a:p>
+        </p:txBody>
+      </p:sp>
+      <p:sp>
+        <p:nvSpPr>
+          <p:cNvPr id="21" name="Rectángulo: esquinas redondeadas 20">
+            <a:extLst>
+              <a:ext uri="{FF2B5EF4-FFF2-40B4-BE49-F238E27FC236}">
+                <a16:creationId xmlns:a16="http://schemas.microsoft.com/office/drawing/2014/main" id="{2DB303D8-FFB4-2848-C0ED-2680904F6E12}"/>
+              </a:ext>
+            </a:extLst>
+          </p:cNvPr>
+          <p:cNvSpPr/>
+          <p:nvPr/>
+        </p:nvSpPr>
+        <p:spPr>
+          <a:xfrm>
+            <a:off x="4294632" y="395859"/>
+            <a:ext cx="3602735" cy="2066925"/>
+          </a:xfrm>
+          <a:prstGeom prst="roundRect">
+            <a:avLst/>
+          </a:prstGeom>
+          <a:solidFill>
+            <a:schemeClr val="accent2"/>
+          </a:solidFill>
+        </p:spPr>
+        <p:style>
+          <a:lnRef idx="2">
+            <a:schemeClr val="accent1">
+              <a:shade val="15000"/>
+            </a:schemeClr>
+          </a:lnRef>
+          <a:fillRef idx="1">
+            <a:schemeClr val="accent1"/>
+          </a:fillRef>
+          <a:effectRef idx="0">
+            <a:schemeClr val="accent1"/>
+          </a:effectRef>
+          <a:fontRef idx="minor">
+            <a:schemeClr val="lt1"/>
+          </a:fontRef>
+        </p:style>
+        <p:txBody>
+          <a:bodyPr rtlCol="0" anchor="ctr"/>
+          <a:lstStyle/>
+          <a:p>
+            <a:pPr algn="ctr"/>
+            <a:r>
+              <a:rPr lang="es-CO" b="1" dirty="0"/>
+              <a:t>UNIDAD DE CONTROL</a:t>
+            </a:r>
+          </a:p>
+          <a:p>
+            <a:pPr algn="ctr"/>
+            <a:r>
+              <a:rPr lang="es-CO" b="1" dirty="0"/>
+              <a:t> ESP32-WROOM-32</a:t>
+            </a:r>
+            <a:endParaRPr lang="es-MX" b="1" dirty="0"/>
+          </a:p>
+        </p:txBody>
+      </p:sp>
+      <p:sp>
+        <p:nvSpPr>
+          <p:cNvPr id="22" name="Rectángulo: esquinas redondeadas 21">
+            <a:extLst>
+              <a:ext uri="{FF2B5EF4-FFF2-40B4-BE49-F238E27FC236}">
+                <a16:creationId xmlns:a16="http://schemas.microsoft.com/office/drawing/2014/main" id="{357DA83B-5F8A-2CD0-7FDD-67F31AD7FA3F}"/>
+              </a:ext>
+            </a:extLst>
+          </p:cNvPr>
+          <p:cNvSpPr/>
+          <p:nvPr/>
+        </p:nvSpPr>
+        <p:spPr>
+          <a:xfrm>
+            <a:off x="4817362" y="2854356"/>
+            <a:ext cx="2557273" cy="1149287"/>
+          </a:xfrm>
+          <a:prstGeom prst="roundRect">
+            <a:avLst/>
+          </a:prstGeom>
+          <a:solidFill>
+            <a:schemeClr val="accent3">
+              <a:lumMod val="60000"/>
+              <a:lumOff val="40000"/>
+            </a:schemeClr>
+          </a:solidFill>
+        </p:spPr>
+        <p:style>
+          <a:lnRef idx="2">
+            <a:schemeClr val="accent1">
+              <a:shade val="15000"/>
+            </a:schemeClr>
+          </a:lnRef>
+          <a:fillRef idx="1">
+            <a:schemeClr val="accent1"/>
+          </a:fillRef>
+          <a:effectRef idx="0">
+            <a:schemeClr val="accent1"/>
+          </a:effectRef>
+          <a:fontRef idx="minor">
+            <a:schemeClr val="lt1"/>
+          </a:fontRef>
+        </p:style>
+        <p:txBody>
+          <a:bodyPr rtlCol="0" anchor="ctr"/>
+          <a:lstStyle/>
+          <a:p>
+            <a:pPr algn="ctr"/>
+            <a:r>
+              <a:rPr lang="es-CO" b="1" dirty="0">
+                <a:solidFill>
+                  <a:schemeClr val="tx1"/>
+                </a:solidFill>
+              </a:rPr>
+              <a:t>PANTALLA MATRIZ LED</a:t>
+            </a:r>
+            <a:endParaRPr lang="es-MX" b="1" dirty="0">
+              <a:solidFill>
+                <a:schemeClr val="tx1"/>
+              </a:solidFill>
+            </a:endParaRPr>
+          </a:p>
+        </p:txBody>
+      </p:sp>
+      <p:sp>
+        <p:nvSpPr>
+          <p:cNvPr id="23" name="Rectángulo: esquinas redondeadas 22">
+            <a:extLst>
+              <a:ext uri="{FF2B5EF4-FFF2-40B4-BE49-F238E27FC236}">
+                <a16:creationId xmlns:a16="http://schemas.microsoft.com/office/drawing/2014/main" id="{F538A722-A3B3-7FBB-85B8-36D5B07A15C0}"/>
+              </a:ext>
+            </a:extLst>
+          </p:cNvPr>
+          <p:cNvSpPr/>
+          <p:nvPr/>
+        </p:nvSpPr>
+        <p:spPr>
+          <a:xfrm>
+            <a:off x="4817363" y="4395215"/>
+            <a:ext cx="2557274" cy="1149287"/>
+          </a:xfrm>
+          <a:prstGeom prst="roundRect">
+            <a:avLst/>
+          </a:prstGeom>
+          <a:solidFill>
+            <a:schemeClr val="accent5">
+              <a:lumMod val="40000"/>
+              <a:lumOff val="60000"/>
+            </a:schemeClr>
+          </a:solidFill>
+        </p:spPr>
+        <p:style>
+          <a:lnRef idx="2">
+            <a:schemeClr val="accent1">
+              <a:shade val="15000"/>
+            </a:schemeClr>
+          </a:lnRef>
+          <a:fillRef idx="1">
+            <a:schemeClr val="accent1"/>
+          </a:fillRef>
+          <a:effectRef idx="0">
+            <a:schemeClr val="accent1"/>
+          </a:effectRef>
+          <a:fontRef idx="minor">
+            <a:schemeClr val="lt1"/>
+          </a:fontRef>
+        </p:style>
+        <p:txBody>
+          <a:bodyPr rtlCol="0" anchor="ctr"/>
+          <a:lstStyle/>
+          <a:p>
+            <a:pPr algn="ctr"/>
+            <a:r>
+              <a:rPr lang="es-CO" b="1" dirty="0">
+                <a:solidFill>
+                  <a:schemeClr val="tx1"/>
+                </a:solidFill>
+              </a:rPr>
+              <a:t>INTERFAZ DEL USUARIO</a:t>
+            </a:r>
+            <a:endParaRPr lang="es-MX" b="1" dirty="0">
+              <a:solidFill>
+                <a:schemeClr val="tx1"/>
+              </a:solidFill>
+            </a:endParaRPr>
+          </a:p>
+        </p:txBody>
+      </p:sp>
+      <p:cxnSp>
+        <p:nvCxnSpPr>
+          <p:cNvPr id="25" name="Conector recto de flecha 24">
+            <a:extLst>
+              <a:ext uri="{FF2B5EF4-FFF2-40B4-BE49-F238E27FC236}">
+                <a16:creationId xmlns:a16="http://schemas.microsoft.com/office/drawing/2014/main" id="{D9BD0219-626B-2CEC-F838-1D8C3A12247C}"/>
+              </a:ext>
+            </a:extLst>
+          </p:cNvPr>
+          <p:cNvCxnSpPr>
+            <a:stCxn id="6" idx="3"/>
+            <a:endCxn id="21" idx="1"/>
+          </p:cNvCxnSpPr>
+          <p:nvPr/>
+        </p:nvCxnSpPr>
+        <p:spPr>
+          <a:xfrm flipV="1">
+            <a:off x="3596528" y="1429322"/>
+            <a:ext cx="698104" cy="472630"/>
+          </a:xfrm>
+          <a:prstGeom prst="straightConnector1">
+            <a:avLst/>
+          </a:prstGeom>
+          <a:ln w="38100">
+            <a:tailEnd type="triangle"/>
+          </a:ln>
+        </p:spPr>
+        <p:style>
+          <a:lnRef idx="2">
+            <a:schemeClr val="accent1"/>
+          </a:lnRef>
+          <a:fillRef idx="0">
+            <a:schemeClr val="accent1"/>
+          </a:fillRef>
+          <a:effectRef idx="1">
+            <a:schemeClr val="accent1"/>
+          </a:effectRef>
+          <a:fontRef idx="minor">
+            <a:schemeClr val="tx1"/>
+          </a:fontRef>
+        </p:style>
+      </p:cxnSp>
+      <p:cxnSp>
+        <p:nvCxnSpPr>
+          <p:cNvPr id="27" name="Conector recto de flecha 26">
+            <a:extLst>
+              <a:ext uri="{FF2B5EF4-FFF2-40B4-BE49-F238E27FC236}">
+                <a16:creationId xmlns:a16="http://schemas.microsoft.com/office/drawing/2014/main" id="{E80BA7D6-8F79-BC8F-E1DE-AFD4115FAB84}"/>
+              </a:ext>
+            </a:extLst>
+          </p:cNvPr>
+          <p:cNvCxnSpPr>
+            <a:stCxn id="7" idx="3"/>
+            <a:endCxn id="21" idx="1"/>
+          </p:cNvCxnSpPr>
+          <p:nvPr/>
+        </p:nvCxnSpPr>
+        <p:spPr>
+          <a:xfrm flipV="1">
+            <a:off x="3596528" y="1429322"/>
+            <a:ext cx="698104" cy="1710118"/>
+          </a:xfrm>
+          <a:prstGeom prst="straightConnector1">
+            <a:avLst/>
+          </a:prstGeom>
+          <a:ln w="38100">
+            <a:tailEnd type="triangle"/>
+          </a:ln>
+        </p:spPr>
+        <p:style>
+          <a:lnRef idx="2">
+            <a:schemeClr val="accent1"/>
+          </a:lnRef>
+          <a:fillRef idx="0">
+            <a:schemeClr val="accent1"/>
+          </a:fillRef>
+          <a:effectRef idx="1">
+            <a:schemeClr val="accent1"/>
+          </a:effectRef>
+          <a:fontRef idx="minor">
+            <a:schemeClr val="tx1"/>
+          </a:fontRef>
+        </p:style>
+      </p:cxnSp>
+      <p:cxnSp>
+        <p:nvCxnSpPr>
+          <p:cNvPr id="33" name="Conector recto de flecha 32">
+            <a:extLst>
+              <a:ext uri="{FF2B5EF4-FFF2-40B4-BE49-F238E27FC236}">
+                <a16:creationId xmlns:a16="http://schemas.microsoft.com/office/drawing/2014/main" id="{465E1144-B27F-7ACB-75D6-953B5F7C313C}"/>
+              </a:ext>
+            </a:extLst>
+          </p:cNvPr>
+          <p:cNvCxnSpPr>
+            <a:cxnSpLocks/>
+            <a:stCxn id="8" idx="3"/>
+            <a:endCxn id="21" idx="1"/>
+          </p:cNvCxnSpPr>
+          <p:nvPr/>
+        </p:nvCxnSpPr>
+        <p:spPr>
+          <a:xfrm flipV="1">
+            <a:off x="3596528" y="1429322"/>
+            <a:ext cx="698104" cy="2947606"/>
+          </a:xfrm>
+          <a:prstGeom prst="straightConnector1">
+            <a:avLst/>
+          </a:prstGeom>
+          <a:ln w="38100">
+            <a:tailEnd type="triangle"/>
+          </a:ln>
+        </p:spPr>
+        <p:style>
+          <a:lnRef idx="2">
+            <a:schemeClr val="accent1"/>
+          </a:lnRef>
+          <a:fillRef idx="0">
+            <a:schemeClr val="accent1"/>
+          </a:fillRef>
+          <a:effectRef idx="1">
+            <a:schemeClr val="accent1"/>
+          </a:effectRef>
+          <a:fontRef idx="minor">
+            <a:schemeClr val="tx1"/>
+          </a:fontRef>
+        </p:style>
+      </p:cxnSp>
+      <p:cxnSp>
+        <p:nvCxnSpPr>
+          <p:cNvPr id="38" name="Conector recto de flecha 37">
+            <a:extLst>
+              <a:ext uri="{FF2B5EF4-FFF2-40B4-BE49-F238E27FC236}">
+                <a16:creationId xmlns:a16="http://schemas.microsoft.com/office/drawing/2014/main" id="{EC47927B-43F3-D744-D409-BD2F2E6E6E8D}"/>
+              </a:ext>
+            </a:extLst>
+          </p:cNvPr>
+          <p:cNvCxnSpPr>
+            <a:cxnSpLocks/>
+            <a:stCxn id="17" idx="1"/>
+            <a:endCxn id="21" idx="3"/>
+          </p:cNvCxnSpPr>
+          <p:nvPr/>
+        </p:nvCxnSpPr>
+        <p:spPr>
+          <a:xfrm flipH="1" flipV="1">
+            <a:off x="7897367" y="1429322"/>
+            <a:ext cx="765049" cy="472630"/>
+          </a:xfrm>
+          <a:prstGeom prst="straightConnector1">
+            <a:avLst/>
+          </a:prstGeom>
+          <a:ln w="38100">
+            <a:tailEnd type="triangle"/>
+          </a:ln>
+        </p:spPr>
+        <p:style>
+          <a:lnRef idx="2">
+            <a:schemeClr val="accent1"/>
+          </a:lnRef>
+          <a:fillRef idx="0">
+            <a:schemeClr val="accent1"/>
+          </a:fillRef>
+          <a:effectRef idx="1">
+            <a:schemeClr val="accent1"/>
+          </a:effectRef>
+          <a:fontRef idx="minor">
+            <a:schemeClr val="tx1"/>
+          </a:fontRef>
+        </p:style>
+      </p:cxnSp>
+      <p:cxnSp>
+        <p:nvCxnSpPr>
+          <p:cNvPr id="41" name="Conector recto de flecha 40">
+            <a:extLst>
+              <a:ext uri="{FF2B5EF4-FFF2-40B4-BE49-F238E27FC236}">
+                <a16:creationId xmlns:a16="http://schemas.microsoft.com/office/drawing/2014/main" id="{D1D85563-2F02-3709-E5AF-79E224560F8B}"/>
+              </a:ext>
+            </a:extLst>
+          </p:cNvPr>
+          <p:cNvCxnSpPr>
+            <a:cxnSpLocks/>
+            <a:endCxn id="21" idx="3"/>
+          </p:cNvCxnSpPr>
+          <p:nvPr/>
+        </p:nvCxnSpPr>
+        <p:spPr>
+          <a:xfrm flipH="1" flipV="1">
+            <a:off x="7897367" y="1429322"/>
+            <a:ext cx="765049" cy="1710118"/>
+          </a:xfrm>
+          <a:prstGeom prst="straightConnector1">
+            <a:avLst/>
+          </a:prstGeom>
+          <a:ln w="38100">
+            <a:tailEnd type="triangle"/>
+          </a:ln>
+        </p:spPr>
+        <p:style>
+          <a:lnRef idx="2">
+            <a:schemeClr val="accent1"/>
+          </a:lnRef>
+          <a:fillRef idx="0">
+            <a:schemeClr val="accent1"/>
+          </a:fillRef>
+          <a:effectRef idx="1">
+            <a:schemeClr val="accent1"/>
+          </a:effectRef>
+          <a:fontRef idx="minor">
+            <a:schemeClr val="tx1"/>
+          </a:fontRef>
+        </p:style>
+      </p:cxnSp>
+      <p:cxnSp>
+        <p:nvCxnSpPr>
+          <p:cNvPr id="44" name="Conector recto de flecha 43">
+            <a:extLst>
+              <a:ext uri="{FF2B5EF4-FFF2-40B4-BE49-F238E27FC236}">
+                <a16:creationId xmlns:a16="http://schemas.microsoft.com/office/drawing/2014/main" id="{5FD6FDAD-CE45-7871-7F26-CA29E4841316}"/>
+              </a:ext>
+            </a:extLst>
+          </p:cNvPr>
+          <p:cNvCxnSpPr>
+            <a:cxnSpLocks/>
+            <a:stCxn id="19" idx="1"/>
+          </p:cNvCxnSpPr>
+          <p:nvPr/>
+        </p:nvCxnSpPr>
+        <p:spPr>
+          <a:xfrm flipH="1" flipV="1">
+            <a:off x="7897365" y="1341120"/>
+            <a:ext cx="765051" cy="3035808"/>
+          </a:xfrm>
+          <a:prstGeom prst="straightConnector1">
+            <a:avLst/>
+          </a:prstGeom>
+          <a:ln w="38100">
+            <a:tailEnd type="triangle"/>
+          </a:ln>
+        </p:spPr>
+        <p:style>
+          <a:lnRef idx="2">
+            <a:schemeClr val="accent1"/>
+          </a:lnRef>
+          <a:fillRef idx="0">
+            <a:schemeClr val="accent1"/>
+          </a:fillRef>
+          <a:effectRef idx="1">
+            <a:schemeClr val="accent1"/>
+          </a:effectRef>
+          <a:fontRef idx="minor">
+            <a:schemeClr val="tx1"/>
+          </a:fontRef>
+        </p:style>
+      </p:cxnSp>
+      <p:cxnSp>
+        <p:nvCxnSpPr>
+          <p:cNvPr id="50" name="Conector recto de flecha 49">
+            <a:extLst>
+              <a:ext uri="{FF2B5EF4-FFF2-40B4-BE49-F238E27FC236}">
+                <a16:creationId xmlns:a16="http://schemas.microsoft.com/office/drawing/2014/main" id="{B4FF270C-7507-0531-9D37-BEEDAC82D3F6}"/>
+              </a:ext>
+            </a:extLst>
+          </p:cNvPr>
+          <p:cNvCxnSpPr>
+            <a:cxnSpLocks/>
+            <a:stCxn id="21" idx="2"/>
+            <a:endCxn id="22" idx="0"/>
+          </p:cNvCxnSpPr>
+          <p:nvPr/>
+        </p:nvCxnSpPr>
+        <p:spPr>
+          <a:xfrm flipH="1">
+            <a:off x="6095999" y="2462784"/>
+            <a:ext cx="1" cy="391572"/>
+          </a:xfrm>
+          <a:prstGeom prst="straightConnector1">
+            <a:avLst/>
+          </a:prstGeom>
+          <a:ln w="38100">
+            <a:tailEnd type="triangle"/>
+          </a:ln>
+        </p:spPr>
+        <p:style>
+          <a:lnRef idx="2">
+            <a:schemeClr val="accent1"/>
+          </a:lnRef>
+          <a:fillRef idx="0">
+            <a:schemeClr val="accent1"/>
+          </a:fillRef>
+          <a:effectRef idx="1">
+            <a:schemeClr val="accent1"/>
+          </a:effectRef>
+          <a:fontRef idx="minor">
+            <a:schemeClr val="tx1"/>
+          </a:fontRef>
+        </p:style>
+      </p:cxnSp>
+      <p:cxnSp>
+        <p:nvCxnSpPr>
+          <p:cNvPr id="53" name="Conector recto de flecha 52">
+            <a:extLst>
+              <a:ext uri="{FF2B5EF4-FFF2-40B4-BE49-F238E27FC236}">
+                <a16:creationId xmlns:a16="http://schemas.microsoft.com/office/drawing/2014/main" id="{A0F19F7A-DF82-8E3F-301D-EE916A19C0C4}"/>
+              </a:ext>
+            </a:extLst>
+          </p:cNvPr>
+          <p:cNvCxnSpPr>
+            <a:cxnSpLocks/>
+            <a:stCxn id="22" idx="2"/>
+            <a:endCxn id="23" idx="0"/>
+          </p:cNvCxnSpPr>
+          <p:nvPr/>
+        </p:nvCxnSpPr>
+        <p:spPr>
+          <a:xfrm>
+            <a:off x="6095999" y="4003643"/>
+            <a:ext cx="1" cy="391572"/>
+          </a:xfrm>
+          <a:prstGeom prst="straightConnector1">
+            <a:avLst/>
+          </a:prstGeom>
+          <a:ln w="38100">
+            <a:tailEnd type="triangle"/>
+          </a:ln>
+        </p:spPr>
+        <p:style>
+          <a:lnRef idx="2">
+            <a:schemeClr val="accent1"/>
+          </a:lnRef>
+          <a:fillRef idx="0">
+            <a:schemeClr val="accent1"/>
+          </a:fillRef>
+          <a:effectRef idx="1">
+            <a:schemeClr val="accent1"/>
+          </a:effectRef>
+          <a:fontRef idx="minor">
+            <a:schemeClr val="tx1"/>
+          </a:fontRef>
+        </p:style>
+      </p:cxnSp>
+      <p:sp>
+        <p:nvSpPr>
+          <p:cNvPr id="56" name="CuadroTexto 55">
+            <a:extLst>
+              <a:ext uri="{FF2B5EF4-FFF2-40B4-BE49-F238E27FC236}">
+                <a16:creationId xmlns:a16="http://schemas.microsoft.com/office/drawing/2014/main" id="{5A4BFF71-7F13-4031-1435-8B74AE78EA15}"/>
+              </a:ext>
+            </a:extLst>
+          </p:cNvPr>
+          <p:cNvSpPr txBox="1"/>
+          <p:nvPr/>
+        </p:nvSpPr>
+        <p:spPr>
+          <a:xfrm>
+            <a:off x="830523" y="549712"/>
+            <a:ext cx="2557273" cy="369332"/>
+          </a:xfrm>
+          <a:prstGeom prst="rect">
+            <a:avLst/>
+          </a:prstGeom>
+          <a:noFill/>
+        </p:spPr>
+        <p:txBody>
+          <a:bodyPr wrap="square" rtlCol="0">
+            <a:spAutoFit/>
+          </a:bodyPr>
+          <a:lstStyle/>
+          <a:p>
+            <a:r>
+              <a:rPr lang="es-CO" b="1" dirty="0"/>
+              <a:t>SENSORES (ENTRADA)</a:t>
+            </a:r>
+            <a:endParaRPr lang="es-MX" b="1" dirty="0"/>
+          </a:p>
+        </p:txBody>
+      </p:sp>
+      <p:sp>
+        <p:nvSpPr>
+          <p:cNvPr id="57" name="CuadroTexto 56">
+            <a:extLst>
+              <a:ext uri="{FF2B5EF4-FFF2-40B4-BE49-F238E27FC236}">
+                <a16:creationId xmlns:a16="http://schemas.microsoft.com/office/drawing/2014/main" id="{B8DA7713-22EB-50F9-9515-855A994BD3BF}"/>
+              </a:ext>
+            </a:extLst>
+          </p:cNvPr>
+          <p:cNvSpPr txBox="1"/>
+          <p:nvPr/>
+        </p:nvSpPr>
+        <p:spPr>
+          <a:xfrm>
+            <a:off x="8837674" y="549712"/>
+            <a:ext cx="2974735" cy="369332"/>
+          </a:xfrm>
+          <a:prstGeom prst="rect">
+            <a:avLst/>
+          </a:prstGeom>
+          <a:noFill/>
+        </p:spPr>
+        <p:txBody>
+          <a:bodyPr wrap="square" rtlCol="0">
+            <a:spAutoFit/>
+          </a:bodyPr>
+          <a:lstStyle/>
+          <a:p>
+            <a:r>
+              <a:rPr lang="es-CO" b="1" dirty="0"/>
+              <a:t>ACTUADORES (SALIDA)</a:t>
+            </a:r>
+            <a:endParaRPr lang="es-MX" b="1" dirty="0"/>
+          </a:p>
+        </p:txBody>
+      </p:sp>
+    </p:spTree>
+    <p:extLst>
+      <p:ext uri="{BB962C8B-B14F-4D97-AF65-F5344CB8AC3E}">
+        <p14:creationId xmlns:p14="http://schemas.microsoft.com/office/powerpoint/2010/main" val="2550228996"/>
       </p:ext>
     </p:extLst>
   </p:cSld>
